--- a/Poster_RunApp.pptx
+++ b/Poster_RunApp.pptx
@@ -293,7 +293,7 @@
             <a:fld id="{87169787-D9BB-4197-A345-5FE80DAB8A94}" type="slidenum">
               <a:rPr lang="nl-BE" smtClean="0"/>
               <a:pPr/>
-              <a:t>‹nr.›</a:t>
+              <a:t>‹#›</a:t>
             </a:fld>
             <a:endParaRPr lang="nl-BE"/>
           </a:p>
@@ -555,7 +555,7 @@
             <a:fld id="{E8E05904-DE35-4DBF-95A6-89A7F03916D7}" type="slidenum">
               <a:rPr lang="nl-BE" smtClean="0"/>
               <a:pPr/>
-              <a:t>‹nr.›</a:t>
+              <a:t>‹#›</a:t>
             </a:fld>
             <a:endParaRPr lang="nl-BE"/>
           </a:p>
@@ -2541,7 +2541,7 @@
         <p:spPr>
           <a:xfrm>
             <a:off x="14275891" y="15926400"/>
-            <a:ext cx="14560109" cy="3197726"/>
+            <a:ext cx="14560109" cy="2705283"/>
           </a:xfrm>
         </p:spPr>
         <p:txBody>
@@ -2560,7 +2560,7 @@
             </a:pPr>
             <a:r>
               <a:rPr lang="en-US" dirty="0"/>
-              <a:t>one</a:t>
+              <a:t>Internet</a:t>
             </a:r>
           </a:p>
           <a:p>
@@ -2570,7 +2570,7 @@
             </a:pPr>
             <a:r>
               <a:rPr lang="en-US" dirty="0"/>
-              <a:t>two</a:t>
+              <a:t>Trial and error</a:t>
             </a:r>
           </a:p>
           <a:p>
@@ -2579,13 +2579,6 @@
               <a:buChar char="•"/>
             </a:pPr>
             <a:endParaRPr lang="en-US" dirty="0"/>
-          </a:p>
-          <a:p>
-            <a:pPr lvl="1" indent="0"/>
-            <a:r>
-              <a:rPr lang="en-US" dirty="0"/>
-              <a:t>extra</a:t>
-            </a:r>
           </a:p>
         </p:txBody>
       </p:sp>
@@ -2629,7 +2622,7 @@
         <p:spPr>
           <a:xfrm>
             <a:off x="1440000" y="10673999"/>
-            <a:ext cx="27396000" cy="3536280"/>
+            <a:ext cx="27396000" cy="3043838"/>
           </a:xfrm>
         </p:spPr>
         <p:txBody>
@@ -2637,15 +2630,32 @@
           <a:lstStyle/>
           <a:p>
             <a:r>
-              <a:rPr lang="nl-NL" b="0" i="0" dirty="0">
+              <a:rPr lang="nl-NL" b="0" i="0" cap="none" dirty="0">
                 <a:solidFill>
                   <a:srgbClr val="000000"/>
                 </a:solidFill>
                 <a:effectLst/>
               </a:rPr>
-              <a:t>Wij hebben als project gekozen voor het maken van een loopapp. Het is een applicatie gemaakt voor Android users die gelinkt is met een website en gekoppeld met een database. Wat de applicatie onderscheidt van de andere loopapps is dat de gebruiker een doeltijd zal kunnen ingeven die deze wenst te lopen. De applicatie zal dan tijdens het lopen aan de hand van audio zeggen of er sneller of trager moet worden gelopen om het ingestelde doel te halen. Wij hebben voor dit project gekozen omdat we beiden vaak sportapps gebruiken en we allebei vinden dat dit een feature is die toch een leuke toevoeging zou geven aan de applicaties. </a:t>
-            </a:r>
-            <a:endParaRPr lang="en-US" dirty="0"/>
+              <a:t>wij hebben als project gekozen voor het maken van een loopapp. het is een applicatie gemaakt voor </a:t>
+            </a:r>
+            <a:r>
+              <a:rPr lang="nl-NL" b="0" cap="none" dirty="0">
+                <a:solidFill>
+                  <a:srgbClr val="000000"/>
+                </a:solidFill>
+              </a:rPr>
+              <a:t>A</a:t>
+            </a:r>
+            <a:r>
+              <a:rPr lang="nl-NL" b="0" i="0" cap="none" dirty="0">
+                <a:solidFill>
+                  <a:srgbClr val="000000"/>
+                </a:solidFill>
+                <a:effectLst/>
+              </a:rPr>
+              <a:t>ndroid users die gelinkt is met een website en gekoppeld met een database. wat de applicatie onderscheidt van de andere loopapps is dat de gebruiker een doeltijd zal kunnen ingeven die deze wenst te lopen. de applicatie zal dan tijdens het lopen aan de hand van audio zeggen of er sneller of trager moet worden gelopen om het ingestelde doel te halen. wij hebben voor dit project gekozen omdat we beiden vaak sportapps gebruiken en we allebei vinden dat dit een feature is die toch een leuke toevoeging zou geven aan de applicaties. </a:t>
+            </a:r>
+            <a:endParaRPr lang="en-US" cap="none" dirty="0"/>
           </a:p>
         </p:txBody>
       </p:sp>
@@ -2700,7 +2710,7 @@
               <a:t> a </a:t>
             </a:r>
             <a:r>
-              <a:rPr lang="nl-BE"/>
+              <a:rPr lang="nl-BE" dirty="0" err="1"/>
               <a:t>conclusion</a:t>
             </a:r>
             <a:endParaRPr lang="en-US" dirty="0"/>
@@ -2790,7 +2800,7 @@
       </p:pic>
       <p:pic>
         <p:nvPicPr>
-          <p:cNvPr id="22" name="Afbeelding 21"/>
+          <p:cNvPr id="23" name="Afbeelding 22"/>
           <p:cNvPicPr>
             <a:picLocks noChangeAspect="1"/>
           </p:cNvPicPr>
@@ -2804,14 +2814,13 @@
               </a:ext>
             </a:extLst>
           </a:blip>
-          <a:stretch>
-            <a:fillRect/>
-          </a:stretch>
+          <a:srcRect/>
+          <a:stretch/>
         </p:blipFill>
         <p:spPr>
           <a:xfrm>
-            <a:off x="2898627" y="23132454"/>
-            <a:ext cx="11665296" cy="9073008"/>
+            <a:off x="15860067" y="24808967"/>
+            <a:ext cx="11737304" cy="5775988"/>
           </a:xfrm>
           <a:prstGeom prst="rect">
             <a:avLst/>
@@ -2820,27 +2829,28 @@
       </p:pic>
       <p:pic>
         <p:nvPicPr>
-          <p:cNvPr id="23" name="Afbeelding 22"/>
+          <p:cNvPr id="5" name="Picture 4">
+            <a:extLst>
+              <a:ext uri="{FF2B5EF4-FFF2-40B4-BE49-F238E27FC236}">
+                <a16:creationId xmlns:a16="http://schemas.microsoft.com/office/drawing/2014/main" id="{F1741727-6F93-E5AC-2602-35B069FCA621}"/>
+              </a:ext>
+            </a:extLst>
+          </p:cNvPr>
           <p:cNvPicPr>
             <a:picLocks noChangeAspect="1"/>
           </p:cNvPicPr>
           <p:nvPr/>
         </p:nvPicPr>
         <p:blipFill>
-          <a:blip r:embed="rId6">
-            <a:extLst>
-              <a:ext uri="{28A0092B-C50C-407E-A947-70E740481C1C}">
-                <a14:useLocalDpi xmlns:a14="http://schemas.microsoft.com/office/drawing/2010/main" val="0"/>
-              </a:ext>
-            </a:extLst>
-          </a:blip>
-          <a:srcRect/>
-          <a:stretch/>
+          <a:blip r:embed="rId6"/>
+          <a:stretch>
+            <a:fillRect/>
+          </a:stretch>
         </p:blipFill>
         <p:spPr>
           <a:xfrm>
-            <a:off x="15860067" y="24808967"/>
-            <a:ext cx="11737304" cy="5775988"/>
+            <a:off x="4556611" y="21413947"/>
+            <a:ext cx="5616624" cy="12157799"/>
           </a:xfrm>
           <a:prstGeom prst="rect">
             <a:avLst/>

--- a/Poster_RunApp.pptx
+++ b/Poster_RunApp.pptx
@@ -293,7 +293,7 @@
             <a:fld id="{87169787-D9BB-4197-A345-5FE80DAB8A94}" type="slidenum">
               <a:rPr lang="nl-BE" smtClean="0"/>
               <a:pPr/>
-              <a:t>‹#›</a:t>
+              <a:t>‹nr.›</a:t>
             </a:fld>
             <a:endParaRPr lang="nl-BE"/>
           </a:p>
@@ -555,7 +555,7 @@
             <a:fld id="{E8E05904-DE35-4DBF-95A6-89A7F03916D7}" type="slidenum">
               <a:rPr lang="nl-BE" smtClean="0"/>
               <a:pPr/>
-              <a:t>‹#›</a:t>
+              <a:t>‹nr.›</a:t>
             </a:fld>
             <a:endParaRPr lang="nl-BE"/>
           </a:p>
@@ -2694,7 +2694,7 @@
         <p:spPr>
           <a:xfrm>
             <a:off x="1440000" y="35306646"/>
-            <a:ext cx="27396000" cy="1074068"/>
+            <a:ext cx="27396000" cy="1566510"/>
           </a:xfrm>
         </p:spPr>
         <p:txBody>
@@ -2702,16 +2702,28 @@
           <a:lstStyle/>
           <a:p>
             <a:r>
+              <a:rPr lang="nl-BE" dirty="0"/>
+              <a:t>We hebben veel bijgeleerd tijdens dit project waaronder HTML, Javascript, </a:t>
+            </a:r>
+            <a:r>
               <a:rPr lang="nl-BE" dirty="0" err="1"/>
-              <a:t>Give</a:t>
+              <a:t>android</a:t>
             </a:r>
             <a:r>
               <a:rPr lang="nl-BE" dirty="0"/>
-              <a:t> a </a:t>
+              <a:t> studio en </a:t>
             </a:r>
             <a:r>
               <a:rPr lang="nl-BE" dirty="0" err="1"/>
-              <a:t>conclusion</a:t>
+              <a:t>mysql</a:t>
+            </a:r>
+            <a:r>
+              <a:rPr lang="nl-BE" dirty="0"/>
+              <a:t>. Het meeste hebben we verwezenlijkt. Behalve de connectie tussen de database en de website hebben we </a:t>
+            </a:r>
+            <a:r>
+              <a:rPr lang="nl-BE"/>
+              <a:t>niet kunnen maken.</a:t>
             </a:r>
             <a:endParaRPr lang="en-US" dirty="0"/>
           </a:p>

--- a/Poster_RunApp.pptx
+++ b/Poster_RunApp.pptx
@@ -293,7 +293,7 @@
             <a:fld id="{87169787-D9BB-4197-A345-5FE80DAB8A94}" type="slidenum">
               <a:rPr lang="nl-BE" smtClean="0"/>
               <a:pPr/>
-              <a:t>‹nr.›</a:t>
+              <a:t>‹#›</a:t>
             </a:fld>
             <a:endParaRPr lang="nl-BE"/>
           </a:p>
@@ -555,7 +555,7 @@
             <a:fld id="{E8E05904-DE35-4DBF-95A6-89A7F03916D7}" type="slidenum">
               <a:rPr lang="nl-BE" smtClean="0"/>
               <a:pPr/>
-              <a:t>‹nr.›</a:t>
+              <a:t>‹#›</a:t>
             </a:fld>
             <a:endParaRPr lang="nl-BE"/>
           </a:p>
@@ -2702,30 +2702,26 @@
           <a:lstStyle/>
           <a:p>
             <a:r>
-              <a:rPr lang="nl-BE" dirty="0"/>
-              <a:t>We hebben veel bijgeleerd tijdens dit project waaronder HTML, Javascript, </a:t>
-            </a:r>
-            <a:r>
-              <a:rPr lang="nl-BE" dirty="0" err="1"/>
-              <a:t>android</a:t>
-            </a:r>
-            <a:r>
-              <a:rPr lang="nl-BE" dirty="0"/>
-              <a:t> studio en </a:t>
-            </a:r>
-            <a:r>
-              <a:rPr lang="nl-BE" dirty="0" err="1"/>
-              <a:t>mysql</a:t>
-            </a:r>
-            <a:r>
-              <a:rPr lang="nl-BE" dirty="0"/>
-              <a:t>. Het meeste hebben we verwezenlijkt. Behalve de connectie tussen de database en de website hebben we </a:t>
-            </a:r>
-            <a:r>
-              <a:rPr lang="nl-BE"/>
-              <a:t>niet kunnen maken.</a:t>
-            </a:r>
-            <a:endParaRPr lang="en-US" dirty="0"/>
+              <a:rPr lang="nl-BE" cap="none" dirty="0"/>
+              <a:t>We hebben veel bijgeleerd tijdens dit project waaronder Html, Javascript, Java, XML-</a:t>
+            </a:r>
+            <a:r>
+              <a:rPr lang="nl-BE" cap="none" dirty="0" err="1"/>
+              <a:t>Constraints</a:t>
+            </a:r>
+            <a:r>
+              <a:rPr lang="nl-BE" cap="none" dirty="0"/>
+              <a:t> en </a:t>
+            </a:r>
+            <a:r>
+              <a:rPr lang="nl-BE" cap="none" dirty="0" err="1"/>
+              <a:t>Mysql</a:t>
+            </a:r>
+            <a:r>
+              <a:rPr lang="nl-BE" cap="none" dirty="0"/>
+              <a:t>. Het meeste hebben we verwezenlijkt. Behalve de connectie tussen de database en de website/applicatie hebben we niet kunnen maken.</a:t>
+            </a:r>
+            <a:endParaRPr lang="en-US" cap="none" dirty="0"/>
           </a:p>
         </p:txBody>
       </p:sp>
